--- a/final-project/virtual-cards.pptx
+++ b/final-project/virtual-cards.pptx
@@ -11,6 +11,9 @@
     <p:sldId id="259" r:id="rId5"/>
     <p:sldId id="262" r:id="rId6"/>
     <p:sldId id="261" r:id="rId7"/>
+    <p:sldId id="265" r:id="rId8"/>
+    <p:sldId id="267" r:id="rId9"/>
+    <p:sldId id="264" r:id="rId10"/>
   </p:sldIdLst>
   <p:sldSz cx="12192000" cy="6858000"/>
   <p:notesSz cx="6858000" cy="9144000"/>
@@ -117,6 +120,916 @@
 </p:presentation>
 </file>
 
+<file path=ppt/charts/chart1.xml><?xml version="1.0" encoding="utf-8"?>
+<c:chartSpace xmlns:c="http://schemas.openxmlformats.org/drawingml/2006/chart" xmlns:a="http://schemas.openxmlformats.org/drawingml/2006/main" xmlns:r="http://schemas.openxmlformats.org/officeDocument/2006/relationships">
+  <c:date1904 val="0"/>
+  <c:lang val="en-US"/>
+  <c:roundedCorners val="0"/>
+  <mc:AlternateContent xmlns:mc="http://schemas.openxmlformats.org/markup-compatibility/2006">
+    <mc:Choice xmlns:c14="http://schemas.microsoft.com/office/drawing/2007/8/2/chart" Requires="c14">
+      <c14:style val="102"/>
+    </mc:Choice>
+    <mc:Fallback>
+      <c:style val="2"/>
+    </mc:Fallback>
+  </mc:AlternateContent>
+  <c:chart>
+    <c:autoTitleDeleted val="1"/>
+    <c:view3D>
+      <c:rotX val="30"/>
+      <c:rotY val="0"/>
+      <c:depthPercent val="100"/>
+      <c:rAngAx val="0"/>
+    </c:view3D>
+    <c:floor>
+      <c:thickness val="0"/>
+      <c:spPr>
+        <a:noFill/>
+        <a:ln>
+          <a:noFill/>
+        </a:ln>
+        <a:effectLst/>
+        <a:sp3d/>
+      </c:spPr>
+    </c:floor>
+    <c:sideWall>
+      <c:thickness val="0"/>
+      <c:spPr>
+        <a:noFill/>
+        <a:ln>
+          <a:noFill/>
+        </a:ln>
+        <a:effectLst/>
+        <a:sp3d/>
+      </c:spPr>
+    </c:sideWall>
+    <c:backWall>
+      <c:thickness val="0"/>
+      <c:spPr>
+        <a:noFill/>
+        <a:ln>
+          <a:noFill/>
+        </a:ln>
+        <a:effectLst/>
+        <a:sp3d/>
+      </c:spPr>
+    </c:backWall>
+    <c:plotArea>
+      <c:layout/>
+      <c:pie3DChart>
+        <c:varyColors val="1"/>
+        <c:ser>
+          <c:idx val="0"/>
+          <c:order val="0"/>
+          <c:tx>
+            <c:strRef>
+              <c:f>Sheet1!$B$1</c:f>
+              <c:strCache>
+                <c:ptCount val="1"/>
+                <c:pt idx="0">
+                  <c:v>Bugs</c:v>
+                </c:pt>
+              </c:strCache>
+            </c:strRef>
+          </c:tx>
+          <c:dPt>
+            <c:idx val="0"/>
+            <c:bubble3D val="0"/>
+            <c:spPr>
+              <a:solidFill>
+                <a:schemeClr val="accent1"/>
+              </a:solidFill>
+              <a:ln w="25400">
+                <a:solidFill>
+                  <a:schemeClr val="lt1"/>
+                </a:solidFill>
+              </a:ln>
+              <a:effectLst/>
+              <a:sp3d contourW="25400">
+                <a:contourClr>
+                  <a:schemeClr val="lt1"/>
+                </a:contourClr>
+              </a:sp3d>
+            </c:spPr>
+          </c:dPt>
+          <c:dPt>
+            <c:idx val="1"/>
+            <c:bubble3D val="0"/>
+            <c:spPr>
+              <a:solidFill>
+                <a:schemeClr val="accent2"/>
+              </a:solidFill>
+              <a:ln w="25400">
+                <a:solidFill>
+                  <a:schemeClr val="lt1"/>
+                </a:solidFill>
+              </a:ln>
+              <a:effectLst/>
+              <a:sp3d contourW="25400">
+                <a:contourClr>
+                  <a:schemeClr val="lt1"/>
+                </a:contourClr>
+              </a:sp3d>
+            </c:spPr>
+          </c:dPt>
+          <c:dPt>
+            <c:idx val="2"/>
+            <c:bubble3D val="0"/>
+            <c:spPr>
+              <a:solidFill>
+                <a:schemeClr val="accent3"/>
+              </a:solidFill>
+              <a:ln w="25400">
+                <a:solidFill>
+                  <a:schemeClr val="lt1"/>
+                </a:solidFill>
+              </a:ln>
+              <a:effectLst/>
+              <a:sp3d contourW="25400">
+                <a:contourClr>
+                  <a:schemeClr val="lt1"/>
+                </a:contourClr>
+              </a:sp3d>
+            </c:spPr>
+          </c:dPt>
+          <c:dPt>
+            <c:idx val="3"/>
+            <c:bubble3D val="0"/>
+            <c:spPr>
+              <a:solidFill>
+                <a:schemeClr val="accent4"/>
+              </a:solidFill>
+              <a:ln w="25400">
+                <a:solidFill>
+                  <a:schemeClr val="lt1"/>
+                </a:solidFill>
+              </a:ln>
+              <a:effectLst/>
+              <a:sp3d contourW="25400">
+                <a:contourClr>
+                  <a:schemeClr val="lt1"/>
+                </a:contourClr>
+              </a:sp3d>
+            </c:spPr>
+          </c:dPt>
+          <c:dPt>
+            <c:idx val="4"/>
+            <c:bubble3D val="0"/>
+            <c:spPr>
+              <a:solidFill>
+                <a:schemeClr val="accent5"/>
+              </a:solidFill>
+              <a:ln w="25400">
+                <a:solidFill>
+                  <a:schemeClr val="lt1"/>
+                </a:solidFill>
+              </a:ln>
+              <a:effectLst/>
+              <a:sp3d contourW="25400">
+                <a:contourClr>
+                  <a:schemeClr val="lt1"/>
+                </a:contourClr>
+              </a:sp3d>
+            </c:spPr>
+          </c:dPt>
+          <c:dPt>
+            <c:idx val="5"/>
+            <c:bubble3D val="0"/>
+            <c:spPr>
+              <a:solidFill>
+                <a:schemeClr val="accent6"/>
+              </a:solidFill>
+              <a:ln w="25400">
+                <a:solidFill>
+                  <a:schemeClr val="lt1"/>
+                </a:solidFill>
+              </a:ln>
+              <a:effectLst/>
+              <a:sp3d contourW="25400">
+                <a:contourClr>
+                  <a:schemeClr val="lt1"/>
+                </a:contourClr>
+              </a:sp3d>
+            </c:spPr>
+          </c:dPt>
+          <c:dLbls>
+            <c:spPr>
+              <a:solidFill>
+                <a:prstClr val="white"/>
+              </a:solidFill>
+              <a:ln>
+                <a:solidFill>
+                  <a:srgbClr val="000000">
+                    <a:lumMod val="25000"/>
+                    <a:lumOff val="75000"/>
+                  </a:srgbClr>
+                </a:solidFill>
+              </a:ln>
+              <a:effectLst/>
+            </c:spPr>
+            <c:txPr>
+              <a:bodyPr rot="0" spcFirstLastPara="1" vertOverflow="clip" horzOverflow="clip" vert="horz" wrap="square" lIns="38100" tIns="19050" rIns="38100" bIns="19050" anchor="ctr" anchorCtr="1">
+                <a:spAutoFit/>
+              </a:bodyPr>
+              <a:lstStyle/>
+              <a:p>
+                <a:pPr>
+                  <a:defRPr sz="1197" b="0" i="0" u="none" strike="noStrike" kern="1200" baseline="0">
+                    <a:solidFill>
+                      <a:schemeClr val="dk1">
+                        <a:lumMod val="65000"/>
+                        <a:lumOff val="35000"/>
+                      </a:schemeClr>
+                    </a:solidFill>
+                    <a:latin typeface="+mn-lt"/>
+                    <a:ea typeface="+mn-ea"/>
+                    <a:cs typeface="+mn-cs"/>
+                  </a:defRPr>
+                </a:pPr>
+                <a:endParaRPr lang="en-US"/>
+              </a:p>
+            </c:txPr>
+            <c:dLblPos val="outEnd"/>
+            <c:showLegendKey val="0"/>
+            <c:showVal val="0"/>
+            <c:showCatName val="1"/>
+            <c:showSerName val="0"/>
+            <c:showPercent val="1"/>
+            <c:showBubbleSize val="0"/>
+            <c:showLeaderLines val="0"/>
+            <c:extLst>
+              <c:ext xmlns:c15="http://schemas.microsoft.com/office/drawing/2012/chart" uri="{CE6537A1-D6FC-4f65-9D91-7224C49458BB}">
+                <c15:spPr xmlns:c15="http://schemas.microsoft.com/office/drawing/2012/chart">
+                  <a:prstGeom prst="wedgeRectCallout">
+                    <a:avLst/>
+                  </a:prstGeom>
+                  <a:noFill/>
+                  <a:ln>
+                    <a:noFill/>
+                  </a:ln>
+                </c15:spPr>
+                <c15:layout/>
+              </c:ext>
+            </c:extLst>
+          </c:dLbls>
+          <c:cat>
+            <c:strRef>
+              <c:f>Sheet1!$A$2:$A$7</c:f>
+              <c:strCache>
+                <c:ptCount val="6"/>
+                <c:pt idx="0">
+                  <c:v>Add card</c:v>
+                </c:pt>
+                <c:pt idx="1">
+                  <c:v>Log in</c:v>
+                </c:pt>
+                <c:pt idx="2">
+                  <c:v>User experience</c:v>
+                </c:pt>
+                <c:pt idx="3">
+                  <c:v>Shopping list</c:v>
+                </c:pt>
+                <c:pt idx="4">
+                  <c:v>Offers</c:v>
+                </c:pt>
+                <c:pt idx="5">
+                  <c:v>Location</c:v>
+                </c:pt>
+              </c:strCache>
+            </c:strRef>
+          </c:cat>
+          <c:val>
+            <c:numRef>
+              <c:f>Sheet1!$B$2:$B$7</c:f>
+              <c:numCache>
+                <c:formatCode>General</c:formatCode>
+                <c:ptCount val="6"/>
+                <c:pt idx="0">
+                  <c:v>2</c:v>
+                </c:pt>
+                <c:pt idx="1">
+                  <c:v>2</c:v>
+                </c:pt>
+                <c:pt idx="2">
+                  <c:v>3</c:v>
+                </c:pt>
+                <c:pt idx="3">
+                  <c:v>2</c:v>
+                </c:pt>
+                <c:pt idx="4">
+                  <c:v>2</c:v>
+                </c:pt>
+                <c:pt idx="5">
+                  <c:v>1</c:v>
+                </c:pt>
+              </c:numCache>
+            </c:numRef>
+          </c:val>
+        </c:ser>
+        <c:dLbls>
+          <c:showLegendKey val="0"/>
+          <c:showVal val="0"/>
+          <c:showCatName val="0"/>
+          <c:showSerName val="0"/>
+          <c:showPercent val="0"/>
+          <c:showBubbleSize val="0"/>
+          <c:showLeaderLines val="0"/>
+        </c:dLbls>
+      </c:pie3DChart>
+      <c:spPr>
+        <a:noFill/>
+        <a:ln>
+          <a:noFill/>
+        </a:ln>
+        <a:effectLst/>
+      </c:spPr>
+    </c:plotArea>
+    <c:plotVisOnly val="1"/>
+    <c:dispBlanksAs val="gap"/>
+    <c:showDLblsOverMax val="0"/>
+  </c:chart>
+  <c:spPr>
+    <a:noFill/>
+    <a:ln>
+      <a:noFill/>
+    </a:ln>
+    <a:effectLst/>
+  </c:spPr>
+  <c:txPr>
+    <a:bodyPr/>
+    <a:lstStyle/>
+    <a:p>
+      <a:pPr>
+        <a:defRPr/>
+      </a:pPr>
+      <a:endParaRPr lang="en-US"/>
+    </a:p>
+  </c:txPr>
+  <c:externalData r:id="rId3">
+    <c:autoUpdate val="0"/>
+  </c:externalData>
+</c:chartSpace>
+</file>
+
+<file path=ppt/charts/colors1.xml><?xml version="1.0" encoding="utf-8"?>
+<cs:colorStyle xmlns:cs="http://schemas.microsoft.com/office/drawing/2012/chartStyle" xmlns:a="http://schemas.openxmlformats.org/drawingml/2006/main" meth="cycle" id="10">
+  <a:schemeClr val="accent1"/>
+  <a:schemeClr val="accent2"/>
+  <a:schemeClr val="accent3"/>
+  <a:schemeClr val="accent4"/>
+  <a:schemeClr val="accent5"/>
+  <a:schemeClr val="accent6"/>
+  <cs:variation/>
+  <cs:variation>
+    <a:lumMod val="60000"/>
+  </cs:variation>
+  <cs:variation>
+    <a:lumMod val="80000"/>
+    <a:lumOff val="20000"/>
+  </cs:variation>
+  <cs:variation>
+    <a:lumMod val="80000"/>
+  </cs:variation>
+  <cs:variation>
+    <a:lumMod val="60000"/>
+    <a:lumOff val="40000"/>
+  </cs:variation>
+  <cs:variation>
+    <a:lumMod val="50000"/>
+  </cs:variation>
+  <cs:variation>
+    <a:lumMod val="70000"/>
+    <a:lumOff val="30000"/>
+  </cs:variation>
+  <cs:variation>
+    <a:lumMod val="70000"/>
+  </cs:variation>
+  <cs:variation>
+    <a:lumMod val="50000"/>
+    <a:lumOff val="50000"/>
+  </cs:variation>
+</cs:colorStyle>
+</file>
+
+<file path=ppt/charts/style1.xml><?xml version="1.0" encoding="utf-8"?>
+<cs:chartStyle xmlns:cs="http://schemas.microsoft.com/office/drawing/2012/chartStyle" xmlns:a="http://schemas.openxmlformats.org/drawingml/2006/main" id="262">
+  <cs:axisTitle>
+    <cs:lnRef idx="0"/>
+    <cs:fillRef idx="0"/>
+    <cs:effectRef idx="0"/>
+    <cs:fontRef idx="minor">
+      <a:schemeClr val="tx1">
+        <a:lumMod val="65000"/>
+        <a:lumOff val="35000"/>
+      </a:schemeClr>
+    </cs:fontRef>
+    <cs:defRPr sz="1330" kern="1200"/>
+  </cs:axisTitle>
+  <cs:categoryAxis>
+    <cs:lnRef idx="0"/>
+    <cs:fillRef idx="0"/>
+    <cs:effectRef idx="0"/>
+    <cs:fontRef idx="minor">
+      <a:schemeClr val="tx1">
+        <a:lumMod val="65000"/>
+        <a:lumOff val="35000"/>
+      </a:schemeClr>
+    </cs:fontRef>
+    <cs:spPr>
+      <a:ln w="9525" cap="flat" cmpd="sng" algn="ctr">
+        <a:solidFill>
+          <a:schemeClr val="tx1">
+            <a:lumMod val="15000"/>
+            <a:lumOff val="85000"/>
+          </a:schemeClr>
+        </a:solidFill>
+        <a:round/>
+      </a:ln>
+    </cs:spPr>
+    <cs:defRPr sz="1197" kern="1200"/>
+  </cs:categoryAxis>
+  <cs:chartArea mods="allowNoFillOverride allowNoLineOverride">
+    <cs:lnRef idx="0"/>
+    <cs:fillRef idx="0"/>
+    <cs:effectRef idx="0"/>
+    <cs:fontRef idx="minor">
+      <a:schemeClr val="tx1"/>
+    </cs:fontRef>
+    <cs:spPr>
+      <a:solidFill>
+        <a:schemeClr val="bg1"/>
+      </a:solidFill>
+      <a:ln w="9525" cap="flat" cmpd="sng" algn="ctr">
+        <a:solidFill>
+          <a:schemeClr val="tx1">
+            <a:lumMod val="15000"/>
+            <a:lumOff val="85000"/>
+          </a:schemeClr>
+        </a:solidFill>
+        <a:round/>
+      </a:ln>
+    </cs:spPr>
+    <cs:defRPr sz="1197" kern="1200"/>
+  </cs:chartArea>
+  <cs:dataLabel>
+    <cs:lnRef idx="0"/>
+    <cs:fillRef idx="0"/>
+    <cs:effectRef idx="0"/>
+    <cs:fontRef idx="minor">
+      <a:schemeClr val="tx1">
+        <a:lumMod val="75000"/>
+        <a:lumOff val="25000"/>
+      </a:schemeClr>
+    </cs:fontRef>
+    <cs:defRPr sz="1197" kern="1200"/>
+  </cs:dataLabel>
+  <cs:dataLabelCallout>
+    <cs:lnRef idx="0"/>
+    <cs:fillRef idx="0"/>
+    <cs:effectRef idx="0"/>
+    <cs:fontRef idx="minor">
+      <a:schemeClr val="dk1">
+        <a:lumMod val="65000"/>
+        <a:lumOff val="35000"/>
+      </a:schemeClr>
+    </cs:fontRef>
+    <cs:spPr>
+      <a:solidFill>
+        <a:schemeClr val="lt1"/>
+      </a:solidFill>
+      <a:ln>
+        <a:solidFill>
+          <a:schemeClr val="dk1">
+            <a:lumMod val="25000"/>
+            <a:lumOff val="75000"/>
+          </a:schemeClr>
+        </a:solidFill>
+      </a:ln>
+    </cs:spPr>
+    <cs:defRPr sz="1197" kern="1200"/>
+    <cs:bodyPr rot="0" spcFirstLastPara="1" vertOverflow="clip" horzOverflow="clip" vert="horz" wrap="square" lIns="36576" tIns="18288" rIns="36576" bIns="18288" anchor="ctr" anchorCtr="1">
+      <a:spAutoFit/>
+    </cs:bodyPr>
+  </cs:dataLabelCallout>
+  <cs:dataPoint>
+    <cs:lnRef idx="0"/>
+    <cs:fillRef idx="1">
+      <cs:styleClr val="auto"/>
+    </cs:fillRef>
+    <cs:effectRef idx="0"/>
+    <cs:fontRef idx="minor">
+      <a:schemeClr val="tx1"/>
+    </cs:fontRef>
+    <cs:spPr>
+      <a:ln w="19050">
+        <a:solidFill>
+          <a:schemeClr val="lt1"/>
+        </a:solidFill>
+      </a:ln>
+    </cs:spPr>
+  </cs:dataPoint>
+  <cs:dataPoint3D>
+    <cs:lnRef idx="0"/>
+    <cs:fillRef idx="1">
+      <cs:styleClr val="auto"/>
+    </cs:fillRef>
+    <cs:effectRef idx="0"/>
+    <cs:fontRef idx="minor">
+      <a:schemeClr val="tx1"/>
+    </cs:fontRef>
+    <cs:spPr>
+      <a:ln w="25400">
+        <a:solidFill>
+          <a:schemeClr val="lt1"/>
+        </a:solidFill>
+      </a:ln>
+    </cs:spPr>
+  </cs:dataPoint3D>
+  <cs:dataPointLine>
+    <cs:lnRef idx="0">
+      <cs:styleClr val="auto"/>
+    </cs:lnRef>
+    <cs:fillRef idx="0"/>
+    <cs:effectRef idx="0"/>
+    <cs:fontRef idx="minor">
+      <a:schemeClr val="tx1"/>
+    </cs:fontRef>
+    <cs:spPr>
+      <a:ln w="28575" cap="rnd">
+        <a:solidFill>
+          <a:schemeClr val="phClr"/>
+        </a:solidFill>
+        <a:round/>
+      </a:ln>
+    </cs:spPr>
+  </cs:dataPointLine>
+  <cs:dataPointMarker>
+    <cs:lnRef idx="0">
+      <cs:styleClr val="auto"/>
+    </cs:lnRef>
+    <cs:fillRef idx="1">
+      <cs:styleClr val="auto"/>
+    </cs:fillRef>
+    <cs:effectRef idx="0"/>
+    <cs:fontRef idx="minor">
+      <a:schemeClr val="tx1"/>
+    </cs:fontRef>
+    <cs:spPr>
+      <a:ln w="9525">
+        <a:solidFill>
+          <a:schemeClr val="phClr"/>
+        </a:solidFill>
+      </a:ln>
+    </cs:spPr>
+  </cs:dataPointMarker>
+  <cs:dataPointMarkerLayout symbol="circle" size="5"/>
+  <cs:dataPointWireframe>
+    <cs:lnRef idx="0">
+      <cs:styleClr val="auto"/>
+    </cs:lnRef>
+    <cs:fillRef idx="0"/>
+    <cs:effectRef idx="0"/>
+    <cs:fontRef idx="minor">
+      <a:schemeClr val="tx1"/>
+    </cs:fontRef>
+    <cs:spPr>
+      <a:ln w="9525" cap="rnd">
+        <a:solidFill>
+          <a:schemeClr val="phClr"/>
+        </a:solidFill>
+        <a:round/>
+      </a:ln>
+    </cs:spPr>
+  </cs:dataPointWireframe>
+  <cs:dataTable>
+    <cs:lnRef idx="0"/>
+    <cs:fillRef idx="0"/>
+    <cs:effectRef idx="0"/>
+    <cs:fontRef idx="minor">
+      <a:schemeClr val="tx1">
+        <a:lumMod val="65000"/>
+        <a:lumOff val="35000"/>
+      </a:schemeClr>
+    </cs:fontRef>
+    <cs:spPr>
+      <a:noFill/>
+      <a:ln w="9525" cap="flat" cmpd="sng" algn="ctr">
+        <a:solidFill>
+          <a:schemeClr val="tx1">
+            <a:lumMod val="15000"/>
+            <a:lumOff val="85000"/>
+          </a:schemeClr>
+        </a:solidFill>
+        <a:round/>
+      </a:ln>
+    </cs:spPr>
+    <cs:defRPr sz="1197" kern="1200"/>
+  </cs:dataTable>
+  <cs:downBar>
+    <cs:lnRef idx="0"/>
+    <cs:fillRef idx="0"/>
+    <cs:effectRef idx="0"/>
+    <cs:fontRef idx="minor">
+      <a:schemeClr val="tx1"/>
+    </cs:fontRef>
+    <cs:spPr>
+      <a:solidFill>
+        <a:schemeClr val="dk1">
+          <a:lumMod val="75000"/>
+          <a:lumOff val="25000"/>
+        </a:schemeClr>
+      </a:solidFill>
+      <a:ln w="9525" cap="flat" cmpd="sng" algn="ctr">
+        <a:solidFill>
+          <a:schemeClr val="tx1">
+            <a:lumMod val="65000"/>
+            <a:lumOff val="35000"/>
+          </a:schemeClr>
+        </a:solidFill>
+        <a:round/>
+      </a:ln>
+    </cs:spPr>
+  </cs:downBar>
+  <cs:dropLine>
+    <cs:lnRef idx="0"/>
+    <cs:fillRef idx="0"/>
+    <cs:effectRef idx="0"/>
+    <cs:fontRef idx="minor">
+      <a:schemeClr val="tx1"/>
+    </cs:fontRef>
+    <cs:spPr>
+      <a:ln w="9525" cap="flat" cmpd="sng" algn="ctr">
+        <a:solidFill>
+          <a:schemeClr val="tx1">
+            <a:lumMod val="35000"/>
+            <a:lumOff val="65000"/>
+          </a:schemeClr>
+        </a:solidFill>
+        <a:round/>
+      </a:ln>
+    </cs:spPr>
+  </cs:dropLine>
+  <cs:errorBar>
+    <cs:lnRef idx="0"/>
+    <cs:fillRef idx="0"/>
+    <cs:effectRef idx="0"/>
+    <cs:fontRef idx="minor">
+      <a:schemeClr val="tx1"/>
+    </cs:fontRef>
+    <cs:spPr>
+      <a:ln w="9525" cap="flat" cmpd="sng" algn="ctr">
+        <a:solidFill>
+          <a:schemeClr val="tx1">
+            <a:lumMod val="65000"/>
+            <a:lumOff val="35000"/>
+          </a:schemeClr>
+        </a:solidFill>
+        <a:round/>
+      </a:ln>
+    </cs:spPr>
+  </cs:errorBar>
+  <cs:floor>
+    <cs:lnRef idx="0"/>
+    <cs:fillRef idx="0"/>
+    <cs:effectRef idx="0"/>
+    <cs:fontRef idx="minor">
+      <a:schemeClr val="tx1"/>
+    </cs:fontRef>
+    <cs:spPr>
+      <a:noFill/>
+      <a:ln>
+        <a:noFill/>
+      </a:ln>
+    </cs:spPr>
+  </cs:floor>
+  <cs:gridlineMajor>
+    <cs:lnRef idx="0"/>
+    <cs:fillRef idx="0"/>
+    <cs:effectRef idx="0"/>
+    <cs:fontRef idx="minor">
+      <a:schemeClr val="tx1"/>
+    </cs:fontRef>
+    <cs:spPr>
+      <a:ln w="9525" cap="flat" cmpd="sng" algn="ctr">
+        <a:solidFill>
+          <a:schemeClr val="tx1">
+            <a:lumMod val="15000"/>
+            <a:lumOff val="85000"/>
+          </a:schemeClr>
+        </a:solidFill>
+        <a:round/>
+      </a:ln>
+    </cs:spPr>
+  </cs:gridlineMajor>
+  <cs:gridlineMinor>
+    <cs:lnRef idx="0"/>
+    <cs:fillRef idx="0"/>
+    <cs:effectRef idx="0"/>
+    <cs:fontRef idx="minor">
+      <a:schemeClr val="tx1"/>
+    </cs:fontRef>
+    <cs:spPr>
+      <a:ln w="9525" cap="flat" cmpd="sng" algn="ctr">
+        <a:solidFill>
+          <a:schemeClr val="tx1">
+            <a:lumMod val="5000"/>
+            <a:lumOff val="95000"/>
+          </a:schemeClr>
+        </a:solidFill>
+        <a:round/>
+      </a:ln>
+    </cs:spPr>
+  </cs:gridlineMinor>
+  <cs:hiLoLine>
+    <cs:lnRef idx="0"/>
+    <cs:fillRef idx="0"/>
+    <cs:effectRef idx="0"/>
+    <cs:fontRef idx="minor">
+      <a:schemeClr val="tx1"/>
+    </cs:fontRef>
+    <cs:spPr>
+      <a:ln w="9525" cap="flat" cmpd="sng" algn="ctr">
+        <a:solidFill>
+          <a:schemeClr val="tx1">
+            <a:lumMod val="50000"/>
+            <a:lumOff val="50000"/>
+          </a:schemeClr>
+        </a:solidFill>
+        <a:round/>
+      </a:ln>
+    </cs:spPr>
+  </cs:hiLoLine>
+  <cs:leaderLine>
+    <cs:lnRef idx="0"/>
+    <cs:fillRef idx="0"/>
+    <cs:effectRef idx="0"/>
+    <cs:fontRef idx="minor">
+      <a:schemeClr val="tx1"/>
+    </cs:fontRef>
+    <cs:spPr>
+      <a:ln w="9525" cap="flat" cmpd="sng" algn="ctr">
+        <a:solidFill>
+          <a:schemeClr val="tx1">
+            <a:lumMod val="35000"/>
+            <a:lumOff val="65000"/>
+          </a:schemeClr>
+        </a:solidFill>
+        <a:round/>
+      </a:ln>
+    </cs:spPr>
+  </cs:leaderLine>
+  <cs:legend>
+    <cs:lnRef idx="0"/>
+    <cs:fillRef idx="0"/>
+    <cs:effectRef idx="0"/>
+    <cs:fontRef idx="minor">
+      <a:schemeClr val="tx1">
+        <a:lumMod val="65000"/>
+        <a:lumOff val="35000"/>
+      </a:schemeClr>
+    </cs:fontRef>
+    <cs:defRPr sz="1197" kern="1200"/>
+  </cs:legend>
+  <cs:plotArea mods="allowNoFillOverride allowNoLineOverride">
+    <cs:lnRef idx="0"/>
+    <cs:fillRef idx="0"/>
+    <cs:effectRef idx="0"/>
+    <cs:fontRef idx="minor">
+      <a:schemeClr val="tx1"/>
+    </cs:fontRef>
+  </cs:plotArea>
+  <cs:plotArea3D mods="allowNoFillOverride allowNoLineOverride">
+    <cs:lnRef idx="0"/>
+    <cs:fillRef idx="0"/>
+    <cs:effectRef idx="0"/>
+    <cs:fontRef idx="minor">
+      <a:schemeClr val="tx1"/>
+    </cs:fontRef>
+  </cs:plotArea3D>
+  <cs:seriesAxis>
+    <cs:lnRef idx="0"/>
+    <cs:fillRef idx="0"/>
+    <cs:effectRef idx="0"/>
+    <cs:fontRef idx="minor">
+      <a:schemeClr val="tx1">
+        <a:lumMod val="65000"/>
+        <a:lumOff val="35000"/>
+      </a:schemeClr>
+    </cs:fontRef>
+    <cs:defRPr sz="1197" kern="1200"/>
+  </cs:seriesAxis>
+  <cs:seriesLine>
+    <cs:lnRef idx="0"/>
+    <cs:fillRef idx="0"/>
+    <cs:effectRef idx="0"/>
+    <cs:fontRef idx="minor">
+      <a:schemeClr val="tx1"/>
+    </cs:fontRef>
+    <cs:spPr>
+      <a:ln w="9525" cap="flat" cmpd="sng" algn="ctr">
+        <a:solidFill>
+          <a:schemeClr val="tx1">
+            <a:lumMod val="35000"/>
+            <a:lumOff val="65000"/>
+          </a:schemeClr>
+        </a:solidFill>
+        <a:round/>
+      </a:ln>
+    </cs:spPr>
+  </cs:seriesLine>
+  <cs:title>
+    <cs:lnRef idx="0"/>
+    <cs:fillRef idx="0"/>
+    <cs:effectRef idx="0"/>
+    <cs:fontRef idx="minor">
+      <a:schemeClr val="tx1">
+        <a:lumMod val="65000"/>
+        <a:lumOff val="35000"/>
+      </a:schemeClr>
+    </cs:fontRef>
+    <cs:defRPr sz="1862" b="0" kern="1200" spc="0" baseline="0"/>
+  </cs:title>
+  <cs:trendline>
+    <cs:lnRef idx="0">
+      <cs:styleClr val="auto"/>
+    </cs:lnRef>
+    <cs:fillRef idx="0"/>
+    <cs:effectRef idx="0"/>
+    <cs:fontRef idx="minor">
+      <a:schemeClr val="tx1"/>
+    </cs:fontRef>
+    <cs:spPr>
+      <a:ln w="19050" cap="rnd">
+        <a:solidFill>
+          <a:schemeClr val="phClr"/>
+        </a:solidFill>
+        <a:prstDash val="sysDot"/>
+      </a:ln>
+    </cs:spPr>
+  </cs:trendline>
+  <cs:trendlineLabel>
+    <cs:lnRef idx="0"/>
+    <cs:fillRef idx="0"/>
+    <cs:effectRef idx="0"/>
+    <cs:fontRef idx="minor">
+      <a:schemeClr val="tx1">
+        <a:lumMod val="65000"/>
+        <a:lumOff val="35000"/>
+      </a:schemeClr>
+    </cs:fontRef>
+    <cs:defRPr sz="1197" kern="1200"/>
+  </cs:trendlineLabel>
+  <cs:upBar>
+    <cs:lnRef idx="0"/>
+    <cs:fillRef idx="0"/>
+    <cs:effectRef idx="0"/>
+    <cs:fontRef idx="minor">
+      <a:schemeClr val="tx1"/>
+    </cs:fontRef>
+    <cs:spPr>
+      <a:solidFill>
+        <a:schemeClr val="lt1"/>
+      </a:solidFill>
+      <a:ln w="9525" cap="flat" cmpd="sng" algn="ctr">
+        <a:solidFill>
+          <a:schemeClr val="tx1">
+            <a:lumMod val="65000"/>
+            <a:lumOff val="35000"/>
+          </a:schemeClr>
+        </a:solidFill>
+        <a:round/>
+      </a:ln>
+    </cs:spPr>
+  </cs:upBar>
+  <cs:valueAxis>
+    <cs:lnRef idx="0"/>
+    <cs:fillRef idx="0"/>
+    <cs:effectRef idx="0"/>
+    <cs:fontRef idx="minor">
+      <a:schemeClr val="tx1">
+        <a:lumMod val="65000"/>
+        <a:lumOff val="35000"/>
+      </a:schemeClr>
+    </cs:fontRef>
+    <cs:defRPr sz="1197" kern="1200"/>
+  </cs:valueAxis>
+  <cs:wall>
+    <cs:lnRef idx="0"/>
+    <cs:fillRef idx="0"/>
+    <cs:effectRef idx="0"/>
+    <cs:fontRef idx="minor">
+      <a:schemeClr val="tx1"/>
+    </cs:fontRef>
+    <cs:spPr>
+      <a:noFill/>
+      <a:ln>
+        <a:noFill/>
+      </a:ln>
+    </cs:spPr>
+  </cs:wall>
+</cs:chartStyle>
+</file>
+
 <file path=ppt/slideLayouts/slideLayout1.xml><?xml version="1.0" encoding="utf-8"?>
 <p:sldLayout xmlns:a="http://schemas.openxmlformats.org/drawingml/2006/main" xmlns:r="http://schemas.openxmlformats.org/officeDocument/2006/relationships" xmlns:p="http://schemas.openxmlformats.org/presentationml/2006/main" showMasterSp="0" type="title" preserve="1">
   <p:cSld name="Title Slide">
@@ -343,7 +1256,7 @@
           <a:p>
             <a:fld id="{115C48E2-7E56-40C8-9685-3F8DF3CF180A}" type="datetimeFigureOut">
               <a:rPr lang="en-GB" smtClean="0"/>
-              <a:t>15/01/2018</a:t>
+              <a:t>20/01/2018</a:t>
             </a:fld>
             <a:endParaRPr lang="en-GB"/>
           </a:p>
@@ -551,7 +1464,7 @@
           <a:p>
             <a:fld id="{115C48E2-7E56-40C8-9685-3F8DF3CF180A}" type="datetimeFigureOut">
               <a:rPr lang="en-GB" smtClean="0"/>
-              <a:t>15/01/2018</a:t>
+              <a:t>20/01/2018</a:t>
             </a:fld>
             <a:endParaRPr lang="en-GB"/>
           </a:p>
@@ -807,7 +1720,7 @@
           <a:p>
             <a:fld id="{115C48E2-7E56-40C8-9685-3F8DF3CF180A}" type="datetimeFigureOut">
               <a:rPr lang="en-GB" smtClean="0"/>
-              <a:t>15/01/2018</a:t>
+              <a:t>20/01/2018</a:t>
             </a:fld>
             <a:endParaRPr lang="en-GB"/>
           </a:p>
@@ -1091,7 +2004,7 @@
           <a:p>
             <a:fld id="{115C48E2-7E56-40C8-9685-3F8DF3CF180A}" type="datetimeFigureOut">
               <a:rPr lang="en-GB" smtClean="0"/>
-              <a:t>15/01/2018</a:t>
+              <a:t>20/01/2018</a:t>
             </a:fld>
             <a:endParaRPr lang="en-GB"/>
           </a:p>
@@ -1265,7 +2178,7 @@
           <a:p>
             <a:fld id="{115C48E2-7E56-40C8-9685-3F8DF3CF180A}" type="datetimeFigureOut">
               <a:rPr lang="en-GB" smtClean="0"/>
-              <a:t>15/01/2018</a:t>
+              <a:t>20/01/2018</a:t>
             </a:fld>
             <a:endParaRPr lang="en-GB"/>
           </a:p>
@@ -1608,7 +2521,7 @@
           <a:p>
             <a:fld id="{115C48E2-7E56-40C8-9685-3F8DF3CF180A}" type="datetimeFigureOut">
               <a:rPr lang="en-GB" smtClean="0"/>
-              <a:t>15/01/2018</a:t>
+              <a:t>20/01/2018</a:t>
             </a:fld>
             <a:endParaRPr lang="en-GB"/>
           </a:p>
@@ -1883,7 +2796,7 @@
           <a:p>
             <a:fld id="{115C48E2-7E56-40C8-9685-3F8DF3CF180A}" type="datetimeFigureOut">
               <a:rPr lang="en-GB" smtClean="0"/>
-              <a:t>15/01/2018</a:t>
+              <a:t>20/01/2018</a:t>
             </a:fld>
             <a:endParaRPr lang="en-GB"/>
           </a:p>
@@ -2262,7 +3175,7 @@
           <a:p>
             <a:fld id="{115C48E2-7E56-40C8-9685-3F8DF3CF180A}" type="datetimeFigureOut">
               <a:rPr lang="en-GB" smtClean="0"/>
-              <a:t>15/01/2018</a:t>
+              <a:t>20/01/2018</a:t>
             </a:fld>
             <a:endParaRPr lang="en-GB"/>
           </a:p>
@@ -2380,7 +3293,7 @@
           <a:p>
             <a:fld id="{115C48E2-7E56-40C8-9685-3F8DF3CF180A}" type="datetimeFigureOut">
               <a:rPr lang="en-GB" smtClean="0"/>
-              <a:t>15/01/2018</a:t>
+              <a:t>20/01/2018</a:t>
             </a:fld>
             <a:endParaRPr lang="en-GB"/>
           </a:p>
@@ -2551,7 +3464,7 @@
           <a:p>
             <a:fld id="{115C48E2-7E56-40C8-9685-3F8DF3CF180A}" type="datetimeFigureOut">
               <a:rPr lang="en-GB" smtClean="0"/>
-              <a:t>15/01/2018</a:t>
+              <a:t>20/01/2018</a:t>
             </a:fld>
             <a:endParaRPr lang="en-GB"/>
           </a:p>
@@ -2905,7 +3818,7 @@
           <a:p>
             <a:fld id="{115C48E2-7E56-40C8-9685-3F8DF3CF180A}" type="datetimeFigureOut">
               <a:rPr lang="en-GB" smtClean="0"/>
-              <a:t>15/01/2018</a:t>
+              <a:t>20/01/2018</a:t>
             </a:fld>
             <a:endParaRPr lang="en-GB"/>
           </a:p>
@@ -3287,7 +4200,7 @@
           <a:p>
             <a:fld id="{115C48E2-7E56-40C8-9685-3F8DF3CF180A}" type="datetimeFigureOut">
               <a:rPr lang="en-GB" smtClean="0"/>
-              <a:t>15/01/2018</a:t>
+              <a:t>20/01/2018</a:t>
             </a:fld>
             <a:endParaRPr lang="en-GB"/>
           </a:p>
@@ -3574,7 +4487,7 @@
           <a:p>
             <a:fld id="{115C48E2-7E56-40C8-9685-3F8DF3CF180A}" type="datetimeFigureOut">
               <a:rPr lang="en-GB" smtClean="0"/>
-              <a:t>15/01/2018</a:t>
+              <a:t>20/01/2018</a:t>
             </a:fld>
             <a:endParaRPr lang="en-GB"/>
           </a:p>
@@ -4254,7 +5167,7 @@
         </p:blipFill>
         <p:spPr>
           <a:xfrm>
-            <a:off x="4278701" y="434347"/>
+            <a:off x="4546119" y="3339034"/>
             <a:ext cx="3192880" cy="3064921"/>
           </a:xfrm>
         </p:spPr>
@@ -4285,7 +5198,7 @@
       </p:sp>
       <p:pic>
         <p:nvPicPr>
-          <p:cNvPr id="3" name="Picture 2"/>
+          <p:cNvPr id="6" name="Picture 5"/>
           <p:cNvPicPr>
             <a:picLocks noChangeAspect="1"/>
           </p:cNvPicPr>
@@ -4305,8 +5218,8 @@
         </p:blipFill>
         <p:spPr>
           <a:xfrm>
-            <a:off x="4342344" y="3830130"/>
-            <a:ext cx="3209991" cy="2921298"/>
+            <a:off x="8323452" y="3735298"/>
+            <a:ext cx="2538431" cy="2105744"/>
           </a:xfrm>
           <a:prstGeom prst="rect">
             <a:avLst/>
@@ -4315,7 +5228,7 @@
       </p:pic>
       <p:pic>
         <p:nvPicPr>
-          <p:cNvPr id="6" name="Picture 5"/>
+          <p:cNvPr id="7" name="Picture 6"/>
           <p:cNvPicPr>
             <a:picLocks noChangeAspect="1"/>
           </p:cNvPicPr>
@@ -4335,8 +5248,8 @@
         </p:blipFill>
         <p:spPr>
           <a:xfrm>
-            <a:off x="8802201" y="820336"/>
-            <a:ext cx="2538431" cy="2105744"/>
+            <a:off x="8323452" y="795867"/>
+            <a:ext cx="2692479" cy="2233534"/>
           </a:xfrm>
           <a:prstGeom prst="rect">
             <a:avLst/>
@@ -4345,7 +5258,7 @@
       </p:pic>
       <p:pic>
         <p:nvPicPr>
-          <p:cNvPr id="7" name="Picture 6"/>
+          <p:cNvPr id="8" name="Picture 7"/>
           <p:cNvPicPr>
             <a:picLocks noChangeAspect="1"/>
           </p:cNvPicPr>
@@ -4365,8 +5278,8 @@
         </p:blipFill>
         <p:spPr>
           <a:xfrm>
-            <a:off x="8789278" y="4071668"/>
-            <a:ext cx="2692479" cy="2233534"/>
+            <a:off x="4243157" y="152390"/>
+            <a:ext cx="3960564" cy="2973527"/>
           </a:xfrm>
           <a:prstGeom prst="rect">
             <a:avLst/>
@@ -4727,7 +5640,17 @@
           <a:p>
             <a:r>
               <a:rPr lang="en-US" dirty="0" smtClean="0"/>
-              <a:t>QR Code &amp; Barcode Scanner</a:t>
+              <a:t>QR Code &amp; Barcode </a:t>
+            </a:r>
+            <a:r>
+              <a:rPr lang="en-US" dirty="0" smtClean="0"/>
+              <a:t>Scanner</a:t>
+            </a:r>
+          </a:p>
+          <a:p>
+            <a:r>
+              <a:rPr lang="en-US" dirty="0" smtClean="0"/>
+              <a:t>PhotoScape – image editing</a:t>
             </a:r>
             <a:endParaRPr lang="en-US" dirty="0"/>
           </a:p>
@@ -4993,6 +5916,1165 @@
     <p:extLst>
       <p:ext uri="{BB962C8B-B14F-4D97-AF65-F5344CB8AC3E}">
         <p14:creationId xmlns:p14="http://schemas.microsoft.com/office/powerpoint/2010/main" val="2746659181"/>
+      </p:ext>
+    </p:extLst>
+  </p:cSld>
+  <p:clrMapOvr>
+    <a:masterClrMapping/>
+  </p:clrMapOvr>
+</p:sld>
+</file>
+
+<file path=ppt/slides/slide7.xml><?xml version="1.0" encoding="utf-8"?>
+<p:sld xmlns:a="http://schemas.openxmlformats.org/drawingml/2006/main" xmlns:r="http://schemas.openxmlformats.org/officeDocument/2006/relationships" xmlns:p="http://schemas.openxmlformats.org/presentationml/2006/main">
+  <p:cSld>
+    <p:spTree>
+      <p:nvGrpSpPr>
+        <p:cNvPr id="1" name=""/>
+        <p:cNvGrpSpPr/>
+        <p:nvPr/>
+      </p:nvGrpSpPr>
+      <p:grpSpPr>
+        <a:xfrm>
+          <a:off x="0" y="0"/>
+          <a:ext cx="0" cy="0"/>
+          <a:chOff x="0" y="0"/>
+          <a:chExt cx="0" cy="0"/>
+        </a:xfrm>
+      </p:grpSpPr>
+      <p:sp>
+        <p:nvSpPr>
+          <p:cNvPr id="2" name="Title 1"/>
+          <p:cNvSpPr>
+            <a:spLocks noGrp="1"/>
+          </p:cNvSpPr>
+          <p:nvPr>
+            <p:ph type="title"/>
+          </p:nvPr>
+        </p:nvSpPr>
+        <p:spPr/>
+        <p:txBody>
+          <a:bodyPr/>
+          <a:lstStyle/>
+          <a:p>
+            <a:r>
+              <a:rPr lang="en-GB" dirty="0" smtClean="0"/>
+              <a:t>Smoke </a:t>
+            </a:r>
+            <a:r>
+              <a:rPr lang="en-GB" dirty="0"/>
+              <a:t>t</a:t>
+            </a:r>
+            <a:r>
+              <a:rPr lang="en-GB" dirty="0" smtClean="0"/>
+              <a:t>est cases result</a:t>
+            </a:r>
+            <a:endParaRPr lang="en-GB" dirty="0"/>
+          </a:p>
+        </p:txBody>
+      </p:sp>
+      <p:graphicFrame>
+        <p:nvGraphicFramePr>
+          <p:cNvPr id="4" name="Content Placeholder 3"/>
+          <p:cNvGraphicFramePr>
+            <a:graphicFrameLocks noGrp="1"/>
+          </p:cNvGraphicFramePr>
+          <p:nvPr>
+            <p:ph idx="1"/>
+            <p:extLst>
+              <p:ext uri="{D42A27DB-BD31-4B8C-83A1-F6EECF244321}">
+                <p14:modId xmlns:p14="http://schemas.microsoft.com/office/powerpoint/2010/main" val="2352613558"/>
+              </p:ext>
+            </p:extLst>
+          </p:nvPr>
+        </p:nvGraphicFramePr>
+        <p:xfrm>
+          <a:off x="1096963" y="1846263"/>
+          <a:ext cx="10058400" cy="4079240"/>
+        </p:xfrm>
+        <a:graphic>
+          <a:graphicData uri="http://schemas.openxmlformats.org/drawingml/2006/table">
+            <a:tbl>
+              <a:tblPr firstRow="1" bandRow="1">
+                <a:tableStyleId>{5C22544A-7EE6-4342-B048-85BDC9FD1C3A}</a:tableStyleId>
+              </a:tblPr>
+              <a:tblGrid>
+                <a:gridCol w="2011680"/>
+                <a:gridCol w="2011680"/>
+                <a:gridCol w="2011680"/>
+                <a:gridCol w="2011680"/>
+                <a:gridCol w="2011680"/>
+              </a:tblGrid>
+              <a:tr h="370840">
+                <a:tc>
+                  <a:txBody>
+                    <a:bodyPr/>
+                    <a:lstStyle/>
+                    <a:p>
+                      <a:r>
+                        <a:rPr lang="en-GB" dirty="0" smtClean="0"/>
+                        <a:t>Feature</a:t>
+                      </a:r>
+                      <a:endParaRPr lang="en-GB" dirty="0"/>
+                    </a:p>
+                  </a:txBody>
+                  <a:tcPr/>
+                </a:tc>
+                <a:tc>
+                  <a:txBody>
+                    <a:bodyPr/>
+                    <a:lstStyle/>
+                    <a:p>
+                      <a:r>
+                        <a:rPr lang="en-GB" dirty="0" smtClean="0"/>
+                        <a:t>No. </a:t>
+                      </a:r>
+                      <a:r>
+                        <a:rPr lang="en-GB" baseline="0" dirty="0" smtClean="0"/>
+                        <a:t>of test cases</a:t>
+                      </a:r>
+                      <a:endParaRPr lang="en-GB" dirty="0"/>
+                    </a:p>
+                  </a:txBody>
+                  <a:tcPr/>
+                </a:tc>
+                <a:tc>
+                  <a:txBody>
+                    <a:bodyPr/>
+                    <a:lstStyle/>
+                    <a:p>
+                      <a:r>
+                        <a:rPr lang="en-GB" dirty="0" smtClean="0"/>
+                        <a:t>Passed</a:t>
+                      </a:r>
+                      <a:endParaRPr lang="en-GB" dirty="0"/>
+                    </a:p>
+                  </a:txBody>
+                  <a:tcPr/>
+                </a:tc>
+                <a:tc>
+                  <a:txBody>
+                    <a:bodyPr/>
+                    <a:lstStyle/>
+                    <a:p>
+                      <a:r>
+                        <a:rPr lang="en-GB" dirty="0" smtClean="0"/>
+                        <a:t>Failed</a:t>
+                      </a:r>
+                      <a:endParaRPr lang="en-GB" dirty="0"/>
+                    </a:p>
+                  </a:txBody>
+                  <a:tcPr/>
+                </a:tc>
+                <a:tc>
+                  <a:txBody>
+                    <a:bodyPr/>
+                    <a:lstStyle/>
+                    <a:p>
+                      <a:r>
+                        <a:rPr lang="en-GB" dirty="0" smtClean="0"/>
+                        <a:t>Defects</a:t>
+                      </a:r>
+                      <a:endParaRPr lang="en-GB" dirty="0"/>
+                    </a:p>
+                  </a:txBody>
+                  <a:tcPr/>
+                </a:tc>
+              </a:tr>
+              <a:tr h="370840">
+                <a:tc>
+                  <a:txBody>
+                    <a:bodyPr/>
+                    <a:lstStyle/>
+                    <a:p>
+                      <a:r>
+                        <a:rPr lang="en-GB" dirty="0" smtClean="0"/>
+                        <a:t>Install</a:t>
+                      </a:r>
+                      <a:endParaRPr lang="en-GB" dirty="0"/>
+                    </a:p>
+                  </a:txBody>
+                  <a:tcPr/>
+                </a:tc>
+                <a:tc>
+                  <a:txBody>
+                    <a:bodyPr/>
+                    <a:lstStyle/>
+                    <a:p>
+                      <a:r>
+                        <a:rPr lang="en-GB" dirty="0" smtClean="0"/>
+                        <a:t>1</a:t>
+                      </a:r>
+                      <a:endParaRPr lang="en-GB" dirty="0"/>
+                    </a:p>
+                  </a:txBody>
+                  <a:tcPr/>
+                </a:tc>
+                <a:tc>
+                  <a:txBody>
+                    <a:bodyPr/>
+                    <a:lstStyle/>
+                    <a:p>
+                      <a:r>
+                        <a:rPr lang="en-GB" dirty="0" smtClean="0"/>
+                        <a:t>1</a:t>
+                      </a:r>
+                      <a:endParaRPr lang="en-GB" dirty="0"/>
+                    </a:p>
+                  </a:txBody>
+                  <a:tcPr/>
+                </a:tc>
+                <a:tc>
+                  <a:txBody>
+                    <a:bodyPr/>
+                    <a:lstStyle/>
+                    <a:p>
+                      <a:r>
+                        <a:rPr lang="en-GB" dirty="0" smtClean="0"/>
+                        <a:t>0</a:t>
+                      </a:r>
+                      <a:endParaRPr lang="en-GB" dirty="0"/>
+                    </a:p>
+                  </a:txBody>
+                  <a:tcPr/>
+                </a:tc>
+                <a:tc>
+                  <a:txBody>
+                    <a:bodyPr/>
+                    <a:lstStyle/>
+                    <a:p>
+                      <a:endParaRPr lang="en-GB"/>
+                    </a:p>
+                  </a:txBody>
+                  <a:tcPr/>
+                </a:tc>
+              </a:tr>
+              <a:tr h="370840">
+                <a:tc>
+                  <a:txBody>
+                    <a:bodyPr/>
+                    <a:lstStyle/>
+                    <a:p>
+                      <a:r>
+                        <a:rPr lang="en-GB" dirty="0" smtClean="0"/>
+                        <a:t>User experience</a:t>
+                      </a:r>
+                      <a:endParaRPr lang="en-GB" dirty="0"/>
+                    </a:p>
+                  </a:txBody>
+                  <a:tcPr/>
+                </a:tc>
+                <a:tc>
+                  <a:txBody>
+                    <a:bodyPr/>
+                    <a:lstStyle/>
+                    <a:p>
+                      <a:r>
+                        <a:rPr lang="en-GB" dirty="0" smtClean="0"/>
+                        <a:t>3</a:t>
+                      </a:r>
+                      <a:endParaRPr lang="en-GB" dirty="0"/>
+                    </a:p>
+                  </a:txBody>
+                  <a:tcPr/>
+                </a:tc>
+                <a:tc>
+                  <a:txBody>
+                    <a:bodyPr/>
+                    <a:lstStyle/>
+                    <a:p>
+                      <a:r>
+                        <a:rPr lang="en-GB" dirty="0" smtClean="0"/>
+                        <a:t>3</a:t>
+                      </a:r>
+                      <a:endParaRPr lang="en-GB" dirty="0"/>
+                    </a:p>
+                  </a:txBody>
+                  <a:tcPr/>
+                </a:tc>
+                <a:tc>
+                  <a:txBody>
+                    <a:bodyPr/>
+                    <a:lstStyle/>
+                    <a:p>
+                      <a:r>
+                        <a:rPr lang="en-GB" dirty="0" smtClean="0"/>
+                        <a:t>0</a:t>
+                      </a:r>
+                      <a:endParaRPr lang="en-GB" dirty="0"/>
+                    </a:p>
+                  </a:txBody>
+                  <a:tcPr/>
+                </a:tc>
+                <a:tc>
+                  <a:txBody>
+                    <a:bodyPr/>
+                    <a:lstStyle/>
+                    <a:p>
+                      <a:endParaRPr lang="en-GB"/>
+                    </a:p>
+                  </a:txBody>
+                  <a:tcPr/>
+                </a:tc>
+              </a:tr>
+              <a:tr h="370840">
+                <a:tc>
+                  <a:txBody>
+                    <a:bodyPr/>
+                    <a:lstStyle/>
+                    <a:p>
+                      <a:r>
+                        <a:rPr lang="en-GB" dirty="0" smtClean="0"/>
+                        <a:t>Create</a:t>
+                      </a:r>
+                      <a:r>
+                        <a:rPr lang="en-GB" baseline="0" dirty="0" smtClean="0"/>
+                        <a:t> account</a:t>
+                      </a:r>
+                      <a:endParaRPr lang="en-GB" dirty="0"/>
+                    </a:p>
+                  </a:txBody>
+                  <a:tcPr/>
+                </a:tc>
+                <a:tc>
+                  <a:txBody>
+                    <a:bodyPr/>
+                    <a:lstStyle/>
+                    <a:p>
+                      <a:r>
+                        <a:rPr lang="en-GB" dirty="0" smtClean="0"/>
+                        <a:t>3</a:t>
+                      </a:r>
+                      <a:endParaRPr lang="en-GB" dirty="0"/>
+                    </a:p>
+                  </a:txBody>
+                  <a:tcPr/>
+                </a:tc>
+                <a:tc>
+                  <a:txBody>
+                    <a:bodyPr/>
+                    <a:lstStyle/>
+                    <a:p>
+                      <a:r>
+                        <a:rPr lang="en-GB" dirty="0" smtClean="0"/>
+                        <a:t>3</a:t>
+                      </a:r>
+                      <a:endParaRPr lang="en-GB" dirty="0"/>
+                    </a:p>
+                  </a:txBody>
+                  <a:tcPr/>
+                </a:tc>
+                <a:tc>
+                  <a:txBody>
+                    <a:bodyPr/>
+                    <a:lstStyle/>
+                    <a:p>
+                      <a:r>
+                        <a:rPr lang="en-GB" dirty="0" smtClean="0"/>
+                        <a:t>0</a:t>
+                      </a:r>
+                      <a:endParaRPr lang="en-GB" dirty="0"/>
+                    </a:p>
+                  </a:txBody>
+                  <a:tcPr/>
+                </a:tc>
+                <a:tc>
+                  <a:txBody>
+                    <a:bodyPr/>
+                    <a:lstStyle/>
+                    <a:p>
+                      <a:endParaRPr lang="en-GB"/>
+                    </a:p>
+                  </a:txBody>
+                  <a:tcPr/>
+                </a:tc>
+              </a:tr>
+              <a:tr h="370840">
+                <a:tc>
+                  <a:txBody>
+                    <a:bodyPr/>
+                    <a:lstStyle/>
+                    <a:p>
+                      <a:r>
+                        <a:rPr lang="en-GB" dirty="0" smtClean="0"/>
+                        <a:t>Log in</a:t>
+                      </a:r>
+                      <a:endParaRPr lang="en-GB" dirty="0"/>
+                    </a:p>
+                  </a:txBody>
+                  <a:tcPr/>
+                </a:tc>
+                <a:tc>
+                  <a:txBody>
+                    <a:bodyPr/>
+                    <a:lstStyle/>
+                    <a:p>
+                      <a:r>
+                        <a:rPr lang="en-GB" dirty="0" smtClean="0"/>
+                        <a:t>4</a:t>
+                      </a:r>
+                      <a:endParaRPr lang="en-GB" dirty="0"/>
+                    </a:p>
+                  </a:txBody>
+                  <a:tcPr/>
+                </a:tc>
+                <a:tc>
+                  <a:txBody>
+                    <a:bodyPr/>
+                    <a:lstStyle/>
+                    <a:p>
+                      <a:r>
+                        <a:rPr lang="en-GB" dirty="0" smtClean="0"/>
+                        <a:t>3</a:t>
+                      </a:r>
+                      <a:endParaRPr lang="en-GB" dirty="0"/>
+                    </a:p>
+                  </a:txBody>
+                  <a:tcPr/>
+                </a:tc>
+                <a:tc>
+                  <a:txBody>
+                    <a:bodyPr/>
+                    <a:lstStyle/>
+                    <a:p>
+                      <a:r>
+                        <a:rPr lang="en-GB" dirty="0" smtClean="0"/>
+                        <a:t>0</a:t>
+                      </a:r>
+                      <a:endParaRPr lang="en-GB" dirty="0"/>
+                    </a:p>
+                  </a:txBody>
+                  <a:tcPr/>
+                </a:tc>
+                <a:tc>
+                  <a:txBody>
+                    <a:bodyPr/>
+                    <a:lstStyle/>
+                    <a:p>
+                      <a:endParaRPr lang="en-GB"/>
+                    </a:p>
+                  </a:txBody>
+                  <a:tcPr/>
+                </a:tc>
+              </a:tr>
+              <a:tr h="370840">
+                <a:tc>
+                  <a:txBody>
+                    <a:bodyPr/>
+                    <a:lstStyle/>
+                    <a:p>
+                      <a:r>
+                        <a:rPr lang="en-GB" dirty="0" smtClean="0"/>
+                        <a:t>Add</a:t>
+                      </a:r>
+                      <a:r>
+                        <a:rPr lang="en-GB" baseline="0" dirty="0" smtClean="0"/>
+                        <a:t> card</a:t>
+                      </a:r>
+                      <a:endParaRPr lang="en-GB" dirty="0"/>
+                    </a:p>
+                  </a:txBody>
+                  <a:tcPr/>
+                </a:tc>
+                <a:tc>
+                  <a:txBody>
+                    <a:bodyPr/>
+                    <a:lstStyle/>
+                    <a:p>
+                      <a:r>
+                        <a:rPr lang="en-GB" dirty="0" smtClean="0"/>
+                        <a:t>3</a:t>
+                      </a:r>
+                      <a:endParaRPr lang="en-GB" dirty="0"/>
+                    </a:p>
+                  </a:txBody>
+                  <a:tcPr/>
+                </a:tc>
+                <a:tc>
+                  <a:txBody>
+                    <a:bodyPr/>
+                    <a:lstStyle/>
+                    <a:p>
+                      <a:r>
+                        <a:rPr lang="en-GB" dirty="0" smtClean="0"/>
+                        <a:t>2</a:t>
+                      </a:r>
+                      <a:endParaRPr lang="en-GB" dirty="0"/>
+                    </a:p>
+                  </a:txBody>
+                  <a:tcPr/>
+                </a:tc>
+                <a:tc>
+                  <a:txBody>
+                    <a:bodyPr/>
+                    <a:lstStyle/>
+                    <a:p>
+                      <a:r>
+                        <a:rPr lang="en-GB" dirty="0" smtClean="0"/>
+                        <a:t>1</a:t>
+                      </a:r>
+                      <a:endParaRPr lang="en-GB" dirty="0"/>
+                    </a:p>
+                  </a:txBody>
+                  <a:tcPr/>
+                </a:tc>
+                <a:tc>
+                  <a:txBody>
+                    <a:bodyPr/>
+                    <a:lstStyle/>
+                    <a:p>
+                      <a:r>
+                        <a:rPr lang="en-GB" dirty="0" smtClean="0"/>
+                        <a:t>12252</a:t>
+                      </a:r>
+                      <a:endParaRPr lang="en-GB" dirty="0"/>
+                    </a:p>
+                  </a:txBody>
+                  <a:tcPr/>
+                </a:tc>
+              </a:tr>
+              <a:tr h="370840">
+                <a:tc>
+                  <a:txBody>
+                    <a:bodyPr/>
+                    <a:lstStyle/>
+                    <a:p>
+                      <a:r>
+                        <a:rPr lang="en-GB" dirty="0" smtClean="0"/>
+                        <a:t>Remove card</a:t>
+                      </a:r>
+                      <a:endParaRPr lang="en-GB" dirty="0"/>
+                    </a:p>
+                  </a:txBody>
+                  <a:tcPr/>
+                </a:tc>
+                <a:tc>
+                  <a:txBody>
+                    <a:bodyPr/>
+                    <a:lstStyle/>
+                    <a:p>
+                      <a:r>
+                        <a:rPr lang="en-GB" dirty="0" smtClean="0"/>
+                        <a:t>1</a:t>
+                      </a:r>
+                      <a:endParaRPr lang="en-GB" dirty="0"/>
+                    </a:p>
+                  </a:txBody>
+                  <a:tcPr/>
+                </a:tc>
+                <a:tc>
+                  <a:txBody>
+                    <a:bodyPr/>
+                    <a:lstStyle/>
+                    <a:p>
+                      <a:r>
+                        <a:rPr lang="en-GB" dirty="0" smtClean="0"/>
+                        <a:t>1</a:t>
+                      </a:r>
+                      <a:endParaRPr lang="en-GB" dirty="0"/>
+                    </a:p>
+                  </a:txBody>
+                  <a:tcPr/>
+                </a:tc>
+                <a:tc>
+                  <a:txBody>
+                    <a:bodyPr/>
+                    <a:lstStyle/>
+                    <a:p>
+                      <a:r>
+                        <a:rPr lang="en-GB" dirty="0" smtClean="0"/>
+                        <a:t>0</a:t>
+                      </a:r>
+                      <a:endParaRPr lang="en-GB" dirty="0"/>
+                    </a:p>
+                  </a:txBody>
+                  <a:tcPr/>
+                </a:tc>
+                <a:tc>
+                  <a:txBody>
+                    <a:bodyPr/>
+                    <a:lstStyle/>
+                    <a:p>
+                      <a:endParaRPr lang="en-GB" dirty="0"/>
+                    </a:p>
+                  </a:txBody>
+                  <a:tcPr/>
+                </a:tc>
+              </a:tr>
+              <a:tr h="370840">
+                <a:tc>
+                  <a:txBody>
+                    <a:bodyPr/>
+                    <a:lstStyle/>
+                    <a:p>
+                      <a:r>
+                        <a:rPr lang="en-GB" dirty="0" smtClean="0"/>
+                        <a:t>Search card</a:t>
+                      </a:r>
+                      <a:endParaRPr lang="en-GB" dirty="0"/>
+                    </a:p>
+                  </a:txBody>
+                  <a:tcPr/>
+                </a:tc>
+                <a:tc>
+                  <a:txBody>
+                    <a:bodyPr/>
+                    <a:lstStyle/>
+                    <a:p>
+                      <a:r>
+                        <a:rPr lang="en-GB" dirty="0" smtClean="0"/>
+                        <a:t>3</a:t>
+                      </a:r>
+                      <a:endParaRPr lang="en-GB" dirty="0"/>
+                    </a:p>
+                  </a:txBody>
+                  <a:tcPr/>
+                </a:tc>
+                <a:tc>
+                  <a:txBody>
+                    <a:bodyPr/>
+                    <a:lstStyle/>
+                    <a:p>
+                      <a:r>
+                        <a:rPr lang="en-GB" smtClean="0"/>
+                        <a:t>3</a:t>
+                      </a:r>
+                      <a:endParaRPr lang="en-GB"/>
+                    </a:p>
+                  </a:txBody>
+                  <a:tcPr/>
+                </a:tc>
+                <a:tc>
+                  <a:txBody>
+                    <a:bodyPr/>
+                    <a:lstStyle/>
+                    <a:p>
+                      <a:r>
+                        <a:rPr lang="en-GB" dirty="0" smtClean="0"/>
+                        <a:t>0</a:t>
+                      </a:r>
+                      <a:endParaRPr lang="en-GB" dirty="0"/>
+                    </a:p>
+                  </a:txBody>
+                  <a:tcPr/>
+                </a:tc>
+                <a:tc>
+                  <a:txBody>
+                    <a:bodyPr/>
+                    <a:lstStyle/>
+                    <a:p>
+                      <a:endParaRPr lang="en-GB"/>
+                    </a:p>
+                  </a:txBody>
+                  <a:tcPr/>
+                </a:tc>
+              </a:tr>
+              <a:tr h="370840">
+                <a:tc>
+                  <a:txBody>
+                    <a:bodyPr/>
+                    <a:lstStyle/>
+                    <a:p>
+                      <a:pPr marL="0" marR="0" lvl="0" indent="0" algn="l" defTabSz="914400" rtl="0" eaLnBrk="1" fontAlgn="auto" latinLnBrk="0" hangingPunct="1">
+                        <a:lnSpc>
+                          <a:spcPct val="100000"/>
+                        </a:lnSpc>
+                        <a:spcBef>
+                          <a:spcPts val="0"/>
+                        </a:spcBef>
+                        <a:spcAft>
+                          <a:spcPts val="0"/>
+                        </a:spcAft>
+                        <a:buClrTx/>
+                        <a:buSzTx/>
+                        <a:buFontTx/>
+                        <a:buNone/>
+                        <a:tabLst/>
+                        <a:defRPr/>
+                      </a:pPr>
+                      <a:r>
+                        <a:rPr lang="en-GB" dirty="0" smtClean="0"/>
+                        <a:t>Uninstall</a:t>
+                      </a:r>
+                    </a:p>
+                  </a:txBody>
+                  <a:tcPr/>
+                </a:tc>
+                <a:tc>
+                  <a:txBody>
+                    <a:bodyPr/>
+                    <a:lstStyle/>
+                    <a:p>
+                      <a:r>
+                        <a:rPr lang="en-GB" dirty="0" smtClean="0"/>
+                        <a:t>1</a:t>
+                      </a:r>
+                      <a:endParaRPr lang="en-GB" dirty="0"/>
+                    </a:p>
+                  </a:txBody>
+                  <a:tcPr/>
+                </a:tc>
+                <a:tc>
+                  <a:txBody>
+                    <a:bodyPr/>
+                    <a:lstStyle/>
+                    <a:p>
+                      <a:r>
+                        <a:rPr lang="en-GB" dirty="0" smtClean="0"/>
+                        <a:t>1</a:t>
+                      </a:r>
+                      <a:endParaRPr lang="en-GB" dirty="0"/>
+                    </a:p>
+                  </a:txBody>
+                  <a:tcPr/>
+                </a:tc>
+                <a:tc>
+                  <a:txBody>
+                    <a:bodyPr/>
+                    <a:lstStyle/>
+                    <a:p>
+                      <a:r>
+                        <a:rPr lang="en-GB" dirty="0" smtClean="0"/>
+                        <a:t>0</a:t>
+                      </a:r>
+                      <a:endParaRPr lang="en-GB" dirty="0"/>
+                    </a:p>
+                  </a:txBody>
+                  <a:tcPr/>
+                </a:tc>
+                <a:tc>
+                  <a:txBody>
+                    <a:bodyPr/>
+                    <a:lstStyle/>
+                    <a:p>
+                      <a:endParaRPr lang="en-GB" dirty="0"/>
+                    </a:p>
+                  </a:txBody>
+                  <a:tcPr/>
+                </a:tc>
+              </a:tr>
+              <a:tr h="370840">
+                <a:tc>
+                  <a:txBody>
+                    <a:bodyPr/>
+                    <a:lstStyle/>
+                    <a:p>
+                      <a:r>
+                        <a:rPr lang="en-GB" dirty="0" smtClean="0"/>
+                        <a:t>Total</a:t>
+                      </a:r>
+                      <a:endParaRPr lang="en-GB" dirty="0"/>
+                    </a:p>
+                  </a:txBody>
+                  <a:tcPr/>
+                </a:tc>
+                <a:tc>
+                  <a:txBody>
+                    <a:bodyPr/>
+                    <a:lstStyle/>
+                    <a:p>
+                      <a:r>
+                        <a:rPr lang="en-GB" dirty="0" smtClean="0"/>
+                        <a:t>19</a:t>
+                      </a:r>
+                      <a:endParaRPr lang="en-GB" dirty="0"/>
+                    </a:p>
+                  </a:txBody>
+                  <a:tcPr/>
+                </a:tc>
+                <a:tc>
+                  <a:txBody>
+                    <a:bodyPr/>
+                    <a:lstStyle/>
+                    <a:p>
+                      <a:r>
+                        <a:rPr lang="en-GB" dirty="0" smtClean="0"/>
+                        <a:t>18</a:t>
+                      </a:r>
+                      <a:endParaRPr lang="en-GB" dirty="0"/>
+                    </a:p>
+                  </a:txBody>
+                  <a:tcPr/>
+                </a:tc>
+                <a:tc>
+                  <a:txBody>
+                    <a:bodyPr/>
+                    <a:lstStyle/>
+                    <a:p>
+                      <a:r>
+                        <a:rPr lang="en-GB" dirty="0" smtClean="0"/>
+                        <a:t>1</a:t>
+                      </a:r>
+                      <a:endParaRPr lang="en-GB" dirty="0"/>
+                    </a:p>
+                  </a:txBody>
+                  <a:tcPr/>
+                </a:tc>
+                <a:tc>
+                  <a:txBody>
+                    <a:bodyPr/>
+                    <a:lstStyle/>
+                    <a:p>
+                      <a:r>
+                        <a:rPr lang="en-GB" dirty="0" smtClean="0"/>
+                        <a:t>1</a:t>
+                      </a:r>
+                      <a:endParaRPr lang="en-GB" dirty="0"/>
+                    </a:p>
+                  </a:txBody>
+                  <a:tcPr/>
+                </a:tc>
+              </a:tr>
+              <a:tr h="370840">
+                <a:tc>
+                  <a:txBody>
+                    <a:bodyPr/>
+                    <a:lstStyle/>
+                    <a:p>
+                      <a:r>
+                        <a:rPr lang="en-GB" dirty="0" smtClean="0"/>
+                        <a:t>Percentage</a:t>
+                      </a:r>
+                      <a:endParaRPr lang="en-GB" dirty="0"/>
+                    </a:p>
+                  </a:txBody>
+                  <a:tcPr/>
+                </a:tc>
+                <a:tc>
+                  <a:txBody>
+                    <a:bodyPr/>
+                    <a:lstStyle/>
+                    <a:p>
+                      <a:r>
+                        <a:rPr lang="en-GB" dirty="0" smtClean="0"/>
+                        <a:t>100%</a:t>
+                      </a:r>
+                      <a:endParaRPr lang="en-GB" dirty="0"/>
+                    </a:p>
+                  </a:txBody>
+                  <a:tcPr/>
+                </a:tc>
+                <a:tc>
+                  <a:txBody>
+                    <a:bodyPr/>
+                    <a:lstStyle/>
+                    <a:p>
+                      <a:r>
+                        <a:rPr lang="en-GB" dirty="0" smtClean="0"/>
+                        <a:t>94.7%</a:t>
+                      </a:r>
+                      <a:endParaRPr lang="en-GB" dirty="0"/>
+                    </a:p>
+                  </a:txBody>
+                  <a:tcPr/>
+                </a:tc>
+                <a:tc>
+                  <a:txBody>
+                    <a:bodyPr/>
+                    <a:lstStyle/>
+                    <a:p>
+                      <a:r>
+                        <a:rPr lang="en-GB" dirty="0" smtClean="0"/>
+                        <a:t>5.3%</a:t>
+                      </a:r>
+                      <a:endParaRPr lang="en-GB" dirty="0"/>
+                    </a:p>
+                  </a:txBody>
+                  <a:tcPr/>
+                </a:tc>
+                <a:tc>
+                  <a:txBody>
+                    <a:bodyPr/>
+                    <a:lstStyle/>
+                    <a:p>
+                      <a:endParaRPr lang="en-GB" dirty="0"/>
+                    </a:p>
+                  </a:txBody>
+                  <a:tcPr/>
+                </a:tc>
+              </a:tr>
+            </a:tbl>
+          </a:graphicData>
+        </a:graphic>
+      </p:graphicFrame>
+    </p:spTree>
+    <p:extLst>
+      <p:ext uri="{BB962C8B-B14F-4D97-AF65-F5344CB8AC3E}">
+        <p14:creationId xmlns:p14="http://schemas.microsoft.com/office/powerpoint/2010/main" val="415396862"/>
+      </p:ext>
+    </p:extLst>
+  </p:cSld>
+  <p:clrMapOvr>
+    <a:masterClrMapping/>
+  </p:clrMapOvr>
+</p:sld>
+</file>
+
+<file path=ppt/slides/slide8.xml><?xml version="1.0" encoding="utf-8"?>
+<p:sld xmlns:a="http://schemas.openxmlformats.org/drawingml/2006/main" xmlns:r="http://schemas.openxmlformats.org/officeDocument/2006/relationships" xmlns:p="http://schemas.openxmlformats.org/presentationml/2006/main">
+  <p:cSld>
+    <p:spTree>
+      <p:nvGrpSpPr>
+        <p:cNvPr id="1" name=""/>
+        <p:cNvGrpSpPr/>
+        <p:nvPr/>
+      </p:nvGrpSpPr>
+      <p:grpSpPr>
+        <a:xfrm>
+          <a:off x="0" y="0"/>
+          <a:ext cx="0" cy="0"/>
+          <a:chOff x="0" y="0"/>
+          <a:chExt cx="0" cy="0"/>
+        </a:xfrm>
+      </p:grpSpPr>
+      <p:sp>
+        <p:nvSpPr>
+          <p:cNvPr id="2" name="Title 1"/>
+          <p:cNvSpPr>
+            <a:spLocks noGrp="1"/>
+          </p:cNvSpPr>
+          <p:nvPr>
+            <p:ph type="title"/>
+          </p:nvPr>
+        </p:nvSpPr>
+        <p:spPr/>
+        <p:txBody>
+          <a:bodyPr/>
+          <a:lstStyle/>
+          <a:p>
+            <a:r>
+              <a:rPr lang="en-GB" dirty="0" smtClean="0"/>
+              <a:t>Bugs overview</a:t>
+            </a:r>
+            <a:endParaRPr lang="en-GB" dirty="0"/>
+          </a:p>
+        </p:txBody>
+      </p:sp>
+      <p:graphicFrame>
+        <p:nvGraphicFramePr>
+          <p:cNvPr id="20" name="Content Placeholder 19"/>
+          <p:cNvGraphicFramePr>
+            <a:graphicFrameLocks noGrp="1"/>
+          </p:cNvGraphicFramePr>
+          <p:nvPr>
+            <p:ph idx="1"/>
+            <p:extLst>
+              <p:ext uri="{D42A27DB-BD31-4B8C-83A1-F6EECF244321}">
+                <p14:modId xmlns:p14="http://schemas.microsoft.com/office/powerpoint/2010/main" val="3533476668"/>
+              </p:ext>
+            </p:extLst>
+          </p:nvPr>
+        </p:nvGraphicFramePr>
+        <p:xfrm>
+          <a:off x="1096963" y="2228850"/>
+          <a:ext cx="9542462" cy="3640138"/>
+        </p:xfrm>
+        <a:graphic>
+          <a:graphicData uri="http://schemas.openxmlformats.org/drawingml/2006/chart">
+            <c:chart xmlns:c="http://schemas.openxmlformats.org/drawingml/2006/chart" xmlns:r="http://schemas.openxmlformats.org/officeDocument/2006/relationships" r:id="rId2"/>
+          </a:graphicData>
+        </a:graphic>
+      </p:graphicFrame>
+    </p:spTree>
+    <p:extLst>
+      <p:ext uri="{BB962C8B-B14F-4D97-AF65-F5344CB8AC3E}">
+        <p14:creationId xmlns:p14="http://schemas.microsoft.com/office/powerpoint/2010/main" val="3709347779"/>
+      </p:ext>
+    </p:extLst>
+  </p:cSld>
+  <p:clrMapOvr>
+    <a:masterClrMapping/>
+  </p:clrMapOvr>
+</p:sld>
+</file>
+
+<file path=ppt/slides/slide9.xml><?xml version="1.0" encoding="utf-8"?>
+<p:sld xmlns:a="http://schemas.openxmlformats.org/drawingml/2006/main" xmlns:r="http://schemas.openxmlformats.org/officeDocument/2006/relationships" xmlns:p="http://schemas.openxmlformats.org/presentationml/2006/main">
+  <p:cSld>
+    <p:spTree>
+      <p:nvGrpSpPr>
+        <p:cNvPr id="1" name=""/>
+        <p:cNvGrpSpPr/>
+        <p:nvPr/>
+      </p:nvGrpSpPr>
+      <p:grpSpPr>
+        <a:xfrm>
+          <a:off x="0" y="0"/>
+          <a:ext cx="0" cy="0"/>
+          <a:chOff x="0" y="0"/>
+          <a:chExt cx="0" cy="0"/>
+        </a:xfrm>
+      </p:grpSpPr>
+      <p:sp>
+        <p:nvSpPr>
+          <p:cNvPr id="2" name="Title 1"/>
+          <p:cNvSpPr>
+            <a:spLocks noGrp="1"/>
+          </p:cNvSpPr>
+          <p:nvPr>
+            <p:ph type="title"/>
+          </p:nvPr>
+        </p:nvSpPr>
+        <p:spPr/>
+        <p:txBody>
+          <a:bodyPr/>
+          <a:lstStyle/>
+          <a:p>
+            <a:r>
+              <a:rPr lang="en-GB" dirty="0" smtClean="0"/>
+              <a:t>Lessons learnt</a:t>
+            </a:r>
+            <a:endParaRPr lang="en-GB" dirty="0"/>
+          </a:p>
+        </p:txBody>
+      </p:sp>
+      <p:sp>
+        <p:nvSpPr>
+          <p:cNvPr id="3" name="Content Placeholder 2"/>
+          <p:cNvSpPr>
+            <a:spLocks noGrp="1"/>
+          </p:cNvSpPr>
+          <p:nvPr>
+            <p:ph idx="1"/>
+          </p:nvPr>
+        </p:nvSpPr>
+        <p:spPr/>
+        <p:txBody>
+          <a:bodyPr/>
+          <a:lstStyle/>
+          <a:p>
+            <a:pPr lvl="1"/>
+            <a:r>
+              <a:rPr lang="en-GB" sz="2800" dirty="0" smtClean="0"/>
+              <a:t>Testing is an important phase on </a:t>
+            </a:r>
+            <a:r>
+              <a:rPr lang="en-GB" sz="2800" dirty="0"/>
+              <a:t>the software development life </a:t>
+            </a:r>
+            <a:r>
+              <a:rPr lang="en-GB" sz="2800" dirty="0" smtClean="0"/>
+              <a:t>cycle in order to deliver a good product.</a:t>
+            </a:r>
+            <a:endParaRPr lang="en-GB" sz="2800" dirty="0"/>
+          </a:p>
+          <a:p>
+            <a:pPr lvl="1"/>
+            <a:r>
+              <a:rPr lang="en-GB" sz="2800" dirty="0" smtClean="0"/>
+              <a:t>Testing is challenging (‘Testing is easy’ is a myth)</a:t>
+            </a:r>
+          </a:p>
+          <a:p>
+            <a:pPr lvl="1"/>
+            <a:r>
+              <a:rPr lang="en-GB" sz="2800" dirty="0"/>
+              <a:t>T</a:t>
+            </a:r>
+            <a:r>
+              <a:rPr lang="en-GB" sz="2800" dirty="0" smtClean="0"/>
+              <a:t>esting requires high </a:t>
+            </a:r>
+            <a:r>
+              <a:rPr lang="en-GB" sz="2800" dirty="0"/>
+              <a:t>analytical skills in </a:t>
+            </a:r>
+            <a:r>
+              <a:rPr lang="en-GB" sz="2800" dirty="0" smtClean="0"/>
+              <a:t>order </a:t>
+            </a:r>
+            <a:r>
+              <a:rPr lang="en-GB" sz="2800" dirty="0"/>
+              <a:t>to use </a:t>
+            </a:r>
+            <a:r>
+              <a:rPr lang="en-GB" sz="2800" dirty="0" smtClean="0"/>
+              <a:t/>
+            </a:r>
+            <a:br>
+              <a:rPr lang="en-GB" sz="2800" dirty="0" smtClean="0"/>
+            </a:br>
+            <a:r>
+              <a:rPr lang="en-GB" sz="2800" dirty="0" smtClean="0"/>
+              <a:t>minimum </a:t>
+            </a:r>
+            <a:r>
+              <a:rPr lang="en-GB" sz="2800" dirty="0"/>
+              <a:t>set of test cases with </a:t>
+            </a:r>
+            <a:r>
+              <a:rPr lang="en-GB" sz="2800" dirty="0" smtClean="0"/>
+              <a:t>maximum test coverage</a:t>
+            </a:r>
+          </a:p>
+          <a:p>
+            <a:pPr lvl="1"/>
+            <a:r>
+              <a:rPr lang="en-GB" sz="2800" dirty="0" smtClean="0"/>
+              <a:t>Testers need to be patient, creative, </a:t>
+            </a:r>
+            <a:br>
+              <a:rPr lang="en-GB" sz="2800" dirty="0" smtClean="0"/>
+            </a:br>
+            <a:r>
+              <a:rPr lang="en-GB" sz="2800" dirty="0" smtClean="0"/>
+              <a:t>open-minded</a:t>
+            </a:r>
+          </a:p>
+          <a:p>
+            <a:pPr lvl="1"/>
+            <a:r>
+              <a:rPr lang="en-GB" sz="2800" dirty="0" smtClean="0"/>
+              <a:t>Testers need to think and act with an end user </a:t>
+            </a:r>
+            <a:br>
+              <a:rPr lang="en-GB" sz="2800" dirty="0" smtClean="0"/>
+            </a:br>
+            <a:r>
+              <a:rPr lang="en-GB" sz="2800" dirty="0" smtClean="0"/>
+              <a:t>perspective</a:t>
+            </a:r>
+            <a:endParaRPr lang="en-GB" sz="2800" dirty="0"/>
+          </a:p>
+          <a:p>
+            <a:endParaRPr lang="en-GB" dirty="0"/>
+          </a:p>
+        </p:txBody>
+      </p:sp>
+      <p:pic>
+        <p:nvPicPr>
+          <p:cNvPr id="5" name="Picture 4"/>
+          <p:cNvPicPr>
+            <a:picLocks noChangeAspect="1"/>
+          </p:cNvPicPr>
+          <p:nvPr/>
+        </p:nvPicPr>
+        <p:blipFill>
+          <a:blip r:embed="rId2" cstate="print">
+            <a:extLst>
+              <a:ext uri="{28A0092B-C50C-407E-A947-70E740481C1C}">
+                <a14:useLocalDpi xmlns:a14="http://schemas.microsoft.com/office/drawing/2010/main" val="0"/>
+              </a:ext>
+            </a:extLst>
+          </a:blip>
+          <a:stretch>
+            <a:fillRect/>
+          </a:stretch>
+        </p:blipFill>
+        <p:spPr>
+          <a:xfrm>
+            <a:off x="9499409" y="3088257"/>
+            <a:ext cx="2372263" cy="2372263"/>
+          </a:xfrm>
+          <a:prstGeom prst="rect">
+            <a:avLst/>
+          </a:prstGeom>
+        </p:spPr>
+      </p:pic>
+    </p:spTree>
+    <p:extLst>
+      <p:ext uri="{BB962C8B-B14F-4D97-AF65-F5344CB8AC3E}">
+        <p14:creationId xmlns:p14="http://schemas.microsoft.com/office/powerpoint/2010/main" val="2227593326"/>
       </p:ext>
     </p:extLst>
   </p:cSld>
